--- a/Имитация видео генеративными моделями.pptx
+++ b/Имитация видео генеративными моделями.pptx
@@ -895,7 +895,7 @@
   <p:cSld>
     <p:spTree>
       <p:nvGrpSpPr>
-        <p:cNvPr id="142" name="Shape 142"/>
+        <p:cNvPr id="147" name="Shape 147"/>
         <p:cNvGrpSpPr/>
         <p:nvPr/>
       </p:nvGrpSpPr>
@@ -909,7 +909,7 @@
       </p:grpSpPr>
       <p:sp>
         <p:nvSpPr>
-          <p:cNvPr id="143" name="Google Shape;143;g2d9dd4cd361_2_91:notes"/>
+          <p:cNvPr id="148" name="Google Shape;148;g2d9dd4cd361_2_91:notes"/>
           <p:cNvSpPr txBox="1"/>
           <p:nvPr>
             <p:ph idx="1" type="body"/>
@@ -948,7 +948,7 @@
       </p:sp>
       <p:sp>
         <p:nvSpPr>
-          <p:cNvPr id="144" name="Google Shape;144;g2d9dd4cd361_2_91:notes"/>
+          <p:cNvPr id="149" name="Google Shape;149;g2d9dd4cd361_2_91:notes"/>
           <p:cNvSpPr/>
           <p:nvPr>
             <p:ph idx="2" type="sldImg"/>
@@ -994,7 +994,7 @@
   <p:cSld>
     <p:spTree>
       <p:nvGrpSpPr>
-        <p:cNvPr id="149" name="Shape 149"/>
+        <p:cNvPr id="153" name="Shape 153"/>
         <p:cNvGrpSpPr/>
         <p:nvPr/>
       </p:nvGrpSpPr>
@@ -1008,7 +1008,7 @@
       </p:grpSpPr>
       <p:sp>
         <p:nvSpPr>
-          <p:cNvPr id="150" name="Google Shape;150;g2d9dd4cd361_2_97:notes"/>
+          <p:cNvPr id="154" name="Google Shape;154;g2d9dd4cd361_2_97:notes"/>
           <p:cNvSpPr txBox="1"/>
           <p:nvPr>
             <p:ph idx="1" type="body"/>
@@ -1047,7 +1047,7 @@
       </p:sp>
       <p:sp>
         <p:nvSpPr>
-          <p:cNvPr id="151" name="Google Shape;151;g2d9dd4cd361_2_97:notes"/>
+          <p:cNvPr id="155" name="Google Shape;155;g2d9dd4cd361_2_97:notes"/>
           <p:cNvSpPr/>
           <p:nvPr>
             <p:ph idx="2" type="sldImg"/>
@@ -1093,7 +1093,7 @@
   <p:cSld>
     <p:spTree>
       <p:nvGrpSpPr>
-        <p:cNvPr id="156" name="Shape 156"/>
+        <p:cNvPr id="162" name="Shape 162"/>
         <p:cNvGrpSpPr/>
         <p:nvPr/>
       </p:nvGrpSpPr>
@@ -1107,46 +1107,7 @@
       </p:grpSpPr>
       <p:sp>
         <p:nvSpPr>
-          <p:cNvPr id="157" name="Google Shape;157;g2d9dd4cd361_2_103:notes"/>
-          <p:cNvSpPr txBox="1"/>
-          <p:nvPr>
-            <p:ph idx="1" type="body"/>
-          </p:nvPr>
-        </p:nvSpPr>
-        <p:spPr>
-          <a:xfrm>
-            <a:off x="686122" y="4343989"/>
-            <a:ext cx="5485756" cy="4114505"/>
-          </a:xfrm>
-          <a:prstGeom prst="rect">
-            <a:avLst/>
-          </a:prstGeom>
-        </p:spPr>
-        <p:txBody>
-          <a:bodyPr anchorCtr="0" anchor="t" bIns="91425" lIns="91425" spcFirstLastPara="1" rIns="91425" wrap="square" tIns="91425">
-            <a:noAutofit/>
-          </a:bodyPr>
-          <a:lstStyle/>
-          <a:p>
-            <a:pPr indent="0" lvl="0" marL="0" rtl="0" algn="l">
-              <a:spcBef>
-                <a:spcPts val="0"/>
-              </a:spcBef>
-              <a:spcAft>
-                <a:spcPts val="0"/>
-              </a:spcAft>
-              <a:buNone/>
-            </a:pPr>
-            <a:r>
-              <a:t/>
-            </a:r>
-            <a:endParaRPr/>
-          </a:p>
-        </p:txBody>
-      </p:sp>
-      <p:sp>
-        <p:nvSpPr>
-          <p:cNvPr id="158" name="Google Shape;158;g2d9dd4cd361_2_103:notes"/>
+          <p:cNvPr id="163" name="Google Shape;163;g2d9dd4cd361_0_13:notes"/>
           <p:cNvSpPr/>
           <p:nvPr>
             <p:ph idx="2" type="sldImg"/>
@@ -1154,8 +1115,8 @@
         </p:nvSpPr>
         <p:spPr>
           <a:xfrm>
-            <a:off x="91806" y="685506"/>
-            <a:ext cx="6674390" cy="3429000"/>
+            <a:off x="381300" y="685800"/>
+            <a:ext cx="6096000" cy="3429000"/>
           </a:xfrm>
           <a:custGeom>
             <a:rect b="b" l="l" r="r" t="t"/>
@@ -1179,6 +1140,45 @@
           </a:custGeom>
         </p:spPr>
       </p:sp>
+      <p:sp>
+        <p:nvSpPr>
+          <p:cNvPr id="164" name="Google Shape;164;g2d9dd4cd361_0_13:notes"/>
+          <p:cNvSpPr txBox="1"/>
+          <p:nvPr>
+            <p:ph idx="1" type="body"/>
+          </p:nvPr>
+        </p:nvSpPr>
+        <p:spPr>
+          <a:xfrm>
+            <a:off x="685800" y="4343400"/>
+            <a:ext cx="5486400" cy="4114800"/>
+          </a:xfrm>
+          <a:prstGeom prst="rect">
+            <a:avLst/>
+          </a:prstGeom>
+        </p:spPr>
+        <p:txBody>
+          <a:bodyPr anchorCtr="0" anchor="t" bIns="91425" lIns="91425" spcFirstLastPara="1" rIns="91425" wrap="square" tIns="91425">
+            <a:noAutofit/>
+          </a:bodyPr>
+          <a:lstStyle/>
+          <a:p>
+            <a:pPr indent="0" lvl="0" marL="0" rtl="0" algn="l">
+              <a:spcBef>
+                <a:spcPts val="0"/>
+              </a:spcBef>
+              <a:spcAft>
+                <a:spcPts val="0"/>
+              </a:spcAft>
+              <a:buNone/>
+            </a:pPr>
+            <a:r>
+              <a:t/>
+            </a:r>
+            <a:endParaRPr/>
+          </a:p>
+        </p:txBody>
+      </p:sp>
     </p:spTree>
   </p:cSld>
   <p:clrMapOvr>
@@ -1192,7 +1192,7 @@
   <p:cSld>
     <p:spTree>
       <p:nvGrpSpPr>
-        <p:cNvPr id="163" name="Shape 163"/>
+        <p:cNvPr id="168" name="Shape 168"/>
         <p:cNvGrpSpPr/>
         <p:nvPr/>
       </p:nvGrpSpPr>
@@ -1206,7 +1206,7 @@
       </p:grpSpPr>
       <p:sp>
         <p:nvSpPr>
-          <p:cNvPr id="164" name="Google Shape;164;g2d9dd4cd361_2_109:notes"/>
+          <p:cNvPr id="169" name="Google Shape;169;g2d9dd4cd361_2_109:notes"/>
           <p:cNvSpPr txBox="1"/>
           <p:nvPr>
             <p:ph idx="1" type="body"/>
@@ -1245,7 +1245,7 @@
       </p:sp>
       <p:sp>
         <p:nvSpPr>
-          <p:cNvPr id="165" name="Google Shape;165;g2d9dd4cd361_2_109:notes"/>
+          <p:cNvPr id="170" name="Google Shape;170;g2d9dd4cd361_2_109:notes"/>
           <p:cNvSpPr/>
           <p:nvPr>
             <p:ph idx="2" type="sldImg"/>
@@ -16113,8 +16113,8 @@
         </p:nvSpPr>
         <p:spPr>
           <a:xfrm>
-            <a:off x="377550" y="2814774"/>
-            <a:ext cx="8460900" cy="648000"/>
+            <a:off x="377550" y="2814776"/>
+            <a:ext cx="8460900" cy="971700"/>
           </a:xfrm>
           <a:prstGeom prst="rect">
             <a:avLst/>
@@ -16209,9 +16209,49 @@
                 <a:cs typeface="Times New Roman"/>
                 <a:sym typeface="Times New Roman"/>
               </a:rPr>
-              <a:t>Исполнитель: студент		         	        Царюк Артем Владимирович</a:t>
+              <a:t>Исполнители: студенты		         	Царюк Артём Владимирович,</a:t>
             </a:r>
-            <a:endParaRPr/>
+            <a:endParaRPr sz="1800">
+              <a:solidFill>
+                <a:schemeClr val="dk1"/>
+              </a:solidFill>
+              <a:latin typeface="Times New Roman"/>
+              <a:ea typeface="Times New Roman"/>
+              <a:cs typeface="Times New Roman"/>
+              <a:sym typeface="Times New Roman"/>
+            </a:endParaRPr>
+          </a:p>
+          <a:p>
+            <a:pPr indent="0" lvl="0" marL="0" marR="0" rtl="0" algn="l">
+              <a:spcBef>
+                <a:spcPts val="0"/>
+              </a:spcBef>
+              <a:spcAft>
+                <a:spcPts val="0"/>
+              </a:spcAft>
+              <a:buNone/>
+            </a:pPr>
+            <a:r>
+              <a:rPr lang="ru" sz="1800">
+                <a:solidFill>
+                  <a:schemeClr val="dk1"/>
+                </a:solidFill>
+                <a:latin typeface="Times New Roman"/>
+                <a:ea typeface="Times New Roman"/>
+                <a:cs typeface="Times New Roman"/>
+                <a:sym typeface="Times New Roman"/>
+              </a:rPr>
+              <a:t>									Приходько Александр Вячеславович</a:t>
+            </a:r>
+            <a:endParaRPr sz="1800">
+              <a:solidFill>
+                <a:schemeClr val="dk1"/>
+              </a:solidFill>
+              <a:latin typeface="Times New Roman"/>
+              <a:ea typeface="Times New Roman"/>
+              <a:cs typeface="Times New Roman"/>
+              <a:sym typeface="Times New Roman"/>
+            </a:endParaRPr>
           </a:p>
         </p:txBody>
       </p:sp>
@@ -16378,7 +16418,7 @@
           </a:bodyPr>
           <a:lstStyle/>
           <a:p>
-            <a:pPr indent="-182563" lvl="0" marL="274638" rtl="0" algn="just">
+            <a:pPr indent="-182562" lvl="0" marL="731837" rtl="0" algn="just">
               <a:spcBef>
                 <a:spcPts val="0"/>
               </a:spcBef>
@@ -16472,6 +16512,146 @@
           </a:p>
         </p:txBody>
       </p:sp>
+      <p:pic>
+        <p:nvPicPr>
+          <p:cNvPr id="142" name="Google Shape;142;p26"/>
+          <p:cNvPicPr preferRelativeResize="0"/>
+          <p:nvPr/>
+        </p:nvPicPr>
+        <p:blipFill>
+          <a:blip r:embed="rId3">
+            <a:alphaModFix/>
+          </a:blip>
+          <a:stretch>
+            <a:fillRect/>
+          </a:stretch>
+        </p:blipFill>
+        <p:spPr>
+          <a:xfrm>
+            <a:off x="1468050" y="2669850"/>
+            <a:ext cx="3739450" cy="2106550"/>
+          </a:xfrm>
+          <a:prstGeom prst="rect">
+            <a:avLst/>
+          </a:prstGeom>
+          <a:noFill/>
+          <a:ln>
+            <a:noFill/>
+          </a:ln>
+        </p:spPr>
+      </p:pic>
+      <p:pic>
+        <p:nvPicPr>
+          <p:cNvPr id="143" name="Google Shape;143;p26"/>
+          <p:cNvPicPr preferRelativeResize="0"/>
+          <p:nvPr/>
+        </p:nvPicPr>
+        <p:blipFill>
+          <a:blip r:embed="rId4">
+            <a:alphaModFix/>
+          </a:blip>
+          <a:stretch>
+            <a:fillRect/>
+          </a:stretch>
+        </p:blipFill>
+        <p:spPr>
+          <a:xfrm>
+            <a:off x="6050450" y="1116198"/>
+            <a:ext cx="2687700" cy="992275"/>
+          </a:xfrm>
+          <a:prstGeom prst="rect">
+            <a:avLst/>
+          </a:prstGeom>
+          <a:noFill/>
+          <a:ln>
+            <a:noFill/>
+          </a:ln>
+        </p:spPr>
+      </p:pic>
+      <p:pic>
+        <p:nvPicPr>
+          <p:cNvPr id="144" name="Google Shape;144;p26"/>
+          <p:cNvPicPr preferRelativeResize="0"/>
+          <p:nvPr/>
+        </p:nvPicPr>
+        <p:blipFill>
+          <a:blip r:embed="rId5">
+            <a:alphaModFix/>
+          </a:blip>
+          <a:stretch>
+            <a:fillRect/>
+          </a:stretch>
+        </p:blipFill>
+        <p:spPr>
+          <a:xfrm>
+            <a:off x="5588349" y="2870323"/>
+            <a:ext cx="3032226" cy="1705606"/>
+          </a:xfrm>
+          <a:prstGeom prst="rect">
+            <a:avLst/>
+          </a:prstGeom>
+          <a:noFill/>
+          <a:ln>
+            <a:noFill/>
+          </a:ln>
+        </p:spPr>
+      </p:pic>
+      <p:pic>
+        <p:nvPicPr>
+          <p:cNvPr id="145" name="Google Shape;145;p26"/>
+          <p:cNvPicPr preferRelativeResize="0"/>
+          <p:nvPr/>
+        </p:nvPicPr>
+        <p:blipFill>
+          <a:blip r:embed="rId6">
+            <a:alphaModFix/>
+          </a:blip>
+          <a:stretch>
+            <a:fillRect/>
+          </a:stretch>
+        </p:blipFill>
+        <p:spPr>
+          <a:xfrm>
+            <a:off x="60000" y="1057400"/>
+            <a:ext cx="2341174" cy="2341176"/>
+          </a:xfrm>
+          <a:prstGeom prst="rect">
+            <a:avLst/>
+          </a:prstGeom>
+          <a:noFill/>
+          <a:ln>
+            <a:noFill/>
+          </a:ln>
+        </p:spPr>
+      </p:pic>
+      <p:pic>
+        <p:nvPicPr>
+          <p:cNvPr id="146" name="Google Shape;146;p26"/>
+          <p:cNvPicPr preferRelativeResize="0"/>
+          <p:nvPr/>
+        </p:nvPicPr>
+        <p:blipFill>
+          <a:blip r:embed="rId7">
+            <a:alphaModFix/>
+          </a:blip>
+          <a:stretch>
+            <a:fillRect/>
+          </a:stretch>
+        </p:blipFill>
+        <p:spPr>
+          <a:xfrm>
+            <a:off x="3998883" y="1115908"/>
+            <a:ext cx="1389575" cy="1389600"/>
+          </a:xfrm>
+          <a:prstGeom prst="rect">
+            <a:avLst/>
+          </a:prstGeom>
+          <a:noFill/>
+          <a:ln>
+            <a:noFill/>
+          </a:ln>
+        </p:spPr>
+      </p:pic>
     </p:spTree>
   </p:cSld>
   <p:clrMapOvr>
@@ -16485,7 +16665,7 @@
   <p:cSld>
     <p:spTree>
       <p:nvGrpSpPr>
-        <p:cNvPr id="145" name="Shape 145"/>
+        <p:cNvPr id="150" name="Shape 150"/>
         <p:cNvGrpSpPr/>
         <p:nvPr/>
       </p:nvGrpSpPr>
@@ -16499,61 +16679,7 @@
       </p:grpSpPr>
       <p:sp>
         <p:nvSpPr>
-          <p:cNvPr id="146" name="Google Shape;146;p27"/>
-          <p:cNvSpPr txBox="1"/>
-          <p:nvPr>
-            <p:ph type="title"/>
-          </p:nvPr>
-        </p:nvSpPr>
-        <p:spPr>
-          <a:xfrm>
-            <a:off x="475200" y="326152"/>
-            <a:ext cx="8229600" cy="513000"/>
-          </a:xfrm>
-          <a:prstGeom prst="rect">
-            <a:avLst/>
-          </a:prstGeom>
-          <a:noFill/>
-          <a:ln>
-            <a:noFill/>
-          </a:ln>
-        </p:spPr>
-        <p:txBody>
-          <a:bodyPr anchorCtr="0" anchor="ctr" bIns="45700" lIns="91425" spcFirstLastPara="1" rIns="91425" wrap="square" tIns="45700">
-            <a:normAutofit fontScale="90000"/>
-          </a:bodyPr>
-          <a:lstStyle/>
-          <a:p>
-            <a:pPr indent="0" lvl="0" marL="0" rtl="0" algn="ctr">
-              <a:spcBef>
-                <a:spcPts val="0"/>
-              </a:spcBef>
-              <a:spcAft>
-                <a:spcPts val="0"/>
-              </a:spcAft>
-              <a:buClr>
-                <a:schemeClr val="dk1"/>
-              </a:buClr>
-              <a:buSzPct val="100000"/>
-              <a:buFont typeface="Times New Roman"/>
-              <a:buNone/>
-            </a:pPr>
-            <a:r>
-              <a:rPr lang="ru" sz="3200">
-                <a:latin typeface="Times New Roman"/>
-                <a:ea typeface="Times New Roman"/>
-                <a:cs typeface="Times New Roman"/>
-                <a:sym typeface="Times New Roman"/>
-              </a:rPr>
-              <a:t>Цель, задачи, гипотезы </a:t>
-            </a:r>
-            <a:endParaRPr/>
-          </a:p>
-        </p:txBody>
-      </p:sp>
-      <p:sp>
-        <p:nvSpPr>
-          <p:cNvPr id="147" name="Google Shape;147;p27"/>
+          <p:cNvPr id="151" name="Google Shape;151;p27"/>
           <p:cNvSpPr txBox="1"/>
           <p:nvPr>
             <p:ph idx="1" type="body"/>
@@ -16561,8 +16687,8 @@
         </p:nvSpPr>
         <p:spPr>
           <a:xfrm>
-            <a:off x="287524" y="519522"/>
-            <a:ext cx="8604956" cy="4401489"/>
+            <a:off x="287525" y="305749"/>
+            <a:ext cx="8604900" cy="4615200"/>
           </a:xfrm>
           <a:prstGeom prst="rect">
             <a:avLst/>
@@ -16574,7 +16700,7 @@
         </p:spPr>
         <p:txBody>
           <a:bodyPr anchorCtr="0" anchor="t" bIns="45700" lIns="91425" spcFirstLastPara="1" rIns="91425" wrap="square" tIns="45700">
-            <a:normAutofit/>
+            <a:normAutofit lnSpcReduction="20000"/>
           </a:bodyPr>
           <a:lstStyle/>
           <a:p>
@@ -16588,7 +16714,71 @@
               <a:buClr>
                 <a:schemeClr val="dk1"/>
               </a:buClr>
-              <a:buSzPts val="2200"/>
+              <a:buSzPts val="2100"/>
+              <a:buNone/>
+            </a:pPr>
+            <a:r>
+              <a:rPr b="1" lang="ru" sz="2200">
+                <a:latin typeface="Times New Roman"/>
+                <a:ea typeface="Times New Roman"/>
+                <a:cs typeface="Times New Roman"/>
+                <a:sym typeface="Times New Roman"/>
+              </a:rPr>
+              <a:t>Цель:</a:t>
+            </a:r>
+            <a:endParaRPr b="1" sz="2200">
+              <a:latin typeface="Times New Roman"/>
+              <a:ea typeface="Times New Roman"/>
+              <a:cs typeface="Times New Roman"/>
+              <a:sym typeface="Times New Roman"/>
+            </a:endParaRPr>
+          </a:p>
+          <a:p>
+            <a:pPr indent="0" lvl="0" marL="0" rtl="0" algn="l">
+              <a:spcBef>
+                <a:spcPts val="0"/>
+              </a:spcBef>
+              <a:spcAft>
+                <a:spcPts val="0"/>
+              </a:spcAft>
+              <a:buClr>
+                <a:schemeClr val="dk1"/>
+              </a:buClr>
+              <a:buSzPts val="1100"/>
+              <a:buFont typeface="Arial"/>
+              <a:buNone/>
+            </a:pPr>
+            <a:r>
+              <a:rPr lang="ru" sz="2200">
+                <a:solidFill>
+                  <a:srgbClr val="080808"/>
+                </a:solidFill>
+                <a:latin typeface="Times New Roman"/>
+                <a:ea typeface="Times New Roman"/>
+                <a:cs typeface="Times New Roman"/>
+                <a:sym typeface="Times New Roman"/>
+              </a:rPr>
+              <a:t>реализовать современный инструмент для имитации живого видео-ответа</a:t>
+            </a:r>
+            <a:endParaRPr sz="2200">
+              <a:latin typeface="Times New Roman"/>
+              <a:ea typeface="Times New Roman"/>
+              <a:cs typeface="Times New Roman"/>
+              <a:sym typeface="Times New Roman"/>
+            </a:endParaRPr>
+          </a:p>
+          <a:p>
+            <a:pPr indent="0" lvl="0" marL="0" rtl="0" algn="just">
+              <a:spcBef>
+                <a:spcPts val="0"/>
+              </a:spcBef>
+              <a:spcAft>
+                <a:spcPts val="0"/>
+              </a:spcAft>
+              <a:buClr>
+                <a:schemeClr val="dk1"/>
+              </a:buClr>
+              <a:buSzPts val="2100"/>
               <a:buNone/>
             </a:pPr>
             <a:r>
@@ -16616,9 +16806,15 @@
               <a:buNone/>
             </a:pPr>
             <a:r>
-              <a:t/>
+              <a:rPr b="1" lang="ru" sz="2200">
+                <a:latin typeface="Times New Roman"/>
+                <a:ea typeface="Times New Roman"/>
+                <a:cs typeface="Times New Roman"/>
+                <a:sym typeface="Times New Roman"/>
+              </a:rPr>
+              <a:t>Задачи:</a:t>
             </a:r>
-            <a:endParaRPr b="1" sz="2100">
+            <a:endParaRPr b="1" sz="2200">
               <a:latin typeface="Times New Roman"/>
               <a:ea typeface="Times New Roman"/>
               <a:cs typeface="Times New Roman"/>
@@ -16626,29 +16822,195 @@
             </a:endParaRPr>
           </a:p>
           <a:p>
-            <a:pPr indent="-139700" lvl="0" marL="342900" rtl="0" algn="l">
-              <a:spcBef>
-                <a:spcPts val="640"/>
+            <a:pPr indent="-368300" lvl="0" marL="457200" rtl="0" algn="l">
+              <a:spcBef>
+                <a:spcPts val="0"/>
               </a:spcBef>
               <a:spcAft>
                 <a:spcPts val="0"/>
               </a:spcAft>
               <a:buClr>
-                <a:schemeClr val="dk1"/>
+                <a:srgbClr val="080808"/>
               </a:buClr>
-              <a:buSzPts val="3200"/>
-              <a:buNone/>
+              <a:buSzPts val="2200"/>
+              <a:buFont typeface="Times New Roman"/>
+              <a:buAutoNum type="arabicPeriod"/>
             </a:pPr>
             <a:r>
-              <a:t/>
+              <a:rPr lang="ru" sz="2200">
+                <a:solidFill>
+                  <a:srgbClr val="080808"/>
+                </a:solidFill>
+                <a:latin typeface="Times New Roman"/>
+                <a:ea typeface="Times New Roman"/>
+                <a:cs typeface="Times New Roman"/>
+                <a:sym typeface="Times New Roman"/>
+              </a:rPr>
+              <a:t>Поиск последних версий открытого программного обеспечения для генерации</a:t>
             </a:r>
-            <a:endParaRPr/>
+            <a:endParaRPr sz="2200">
+              <a:solidFill>
+                <a:srgbClr val="080808"/>
+              </a:solidFill>
+              <a:latin typeface="Times New Roman"/>
+              <a:ea typeface="Times New Roman"/>
+              <a:cs typeface="Times New Roman"/>
+              <a:sym typeface="Times New Roman"/>
+            </a:endParaRPr>
+          </a:p>
+          <a:p>
+            <a:pPr indent="-368300" lvl="0" marL="457200" rtl="0" algn="l">
+              <a:spcBef>
+                <a:spcPts val="0"/>
+              </a:spcBef>
+              <a:spcAft>
+                <a:spcPts val="0"/>
+              </a:spcAft>
+              <a:buClr>
+                <a:srgbClr val="080808"/>
+              </a:buClr>
+              <a:buSzPts val="2200"/>
+              <a:buFont typeface="Times New Roman"/>
+              <a:buAutoNum type="arabicPeriod"/>
+            </a:pPr>
+            <a:r>
+              <a:rPr lang="ru" sz="2200">
+                <a:solidFill>
+                  <a:srgbClr val="080808"/>
+                </a:solidFill>
+                <a:latin typeface="Times New Roman"/>
+                <a:ea typeface="Times New Roman"/>
+                <a:cs typeface="Times New Roman"/>
+                <a:sym typeface="Times New Roman"/>
+              </a:rPr>
+              <a:t>Создание модуля с цепным вызовом инструментов генерации материалов</a:t>
+            </a:r>
+            <a:endParaRPr sz="2200">
+              <a:solidFill>
+                <a:srgbClr val="080808"/>
+              </a:solidFill>
+              <a:latin typeface="Times New Roman"/>
+              <a:ea typeface="Times New Roman"/>
+              <a:cs typeface="Times New Roman"/>
+              <a:sym typeface="Times New Roman"/>
+            </a:endParaRPr>
+          </a:p>
+          <a:p>
+            <a:pPr indent="-368300" lvl="0" marL="457200" rtl="0" algn="l">
+              <a:spcBef>
+                <a:spcPts val="0"/>
+              </a:spcBef>
+              <a:spcAft>
+                <a:spcPts val="0"/>
+              </a:spcAft>
+              <a:buClr>
+                <a:srgbClr val="080808"/>
+              </a:buClr>
+              <a:buSzPts val="2200"/>
+              <a:buFont typeface="Times New Roman"/>
+              <a:buAutoNum type="arabicPeriod"/>
+            </a:pPr>
+            <a:r>
+              <a:rPr lang="ru" sz="2200">
+                <a:solidFill>
+                  <a:srgbClr val="080808"/>
+                </a:solidFill>
+                <a:latin typeface="Times New Roman"/>
+                <a:ea typeface="Times New Roman"/>
+                <a:cs typeface="Times New Roman"/>
+                <a:sym typeface="Times New Roman"/>
+              </a:rPr>
+              <a:t>Разработка фронтального компонента для взаимодействия с модулем генерации</a:t>
+            </a:r>
+            <a:endParaRPr sz="2200">
+              <a:solidFill>
+                <a:srgbClr val="080808"/>
+              </a:solidFill>
+              <a:latin typeface="Times New Roman"/>
+              <a:ea typeface="Times New Roman"/>
+              <a:cs typeface="Times New Roman"/>
+              <a:sym typeface="Times New Roman"/>
+            </a:endParaRPr>
+          </a:p>
+          <a:p>
+            <a:pPr indent="-368300" lvl="0" marL="457200" rtl="0" algn="l">
+              <a:spcBef>
+                <a:spcPts val="0"/>
+              </a:spcBef>
+              <a:spcAft>
+                <a:spcPts val="0"/>
+              </a:spcAft>
+              <a:buClr>
+                <a:srgbClr val="080808"/>
+              </a:buClr>
+              <a:buSzPts val="2200"/>
+              <a:buFont typeface="Times New Roman"/>
+              <a:buAutoNum type="arabicPeriod"/>
+            </a:pPr>
+            <a:r>
+              <a:rPr lang="ru" sz="2200">
+                <a:solidFill>
+                  <a:srgbClr val="080808"/>
+                </a:solidFill>
+                <a:latin typeface="Times New Roman"/>
+                <a:ea typeface="Times New Roman"/>
+                <a:cs typeface="Times New Roman"/>
+                <a:sym typeface="Times New Roman"/>
+              </a:rPr>
+              <a:t>Договоренность о протоколе обмена данными и синхронизация компонентов системы</a:t>
+            </a:r>
+            <a:endParaRPr sz="2200">
+              <a:solidFill>
+                <a:srgbClr val="080808"/>
+              </a:solidFill>
+              <a:latin typeface="Times New Roman"/>
+              <a:ea typeface="Times New Roman"/>
+              <a:cs typeface="Times New Roman"/>
+              <a:sym typeface="Times New Roman"/>
+            </a:endParaRPr>
+          </a:p>
+          <a:p>
+            <a:pPr indent="-368300" lvl="0" marL="457200" rtl="0" algn="l">
+              <a:spcBef>
+                <a:spcPts val="0"/>
+              </a:spcBef>
+              <a:spcAft>
+                <a:spcPts val="0"/>
+              </a:spcAft>
+              <a:buClr>
+                <a:srgbClr val="080808"/>
+              </a:buClr>
+              <a:buSzPts val="2200"/>
+              <a:buFont typeface="Times New Roman"/>
+              <a:buAutoNum type="arabicPeriod"/>
+            </a:pPr>
+            <a:r>
+              <a:rPr lang="ru" sz="2200">
+                <a:solidFill>
+                  <a:srgbClr val="080808"/>
+                </a:solidFill>
+                <a:latin typeface="Times New Roman"/>
+                <a:ea typeface="Times New Roman"/>
+                <a:cs typeface="Times New Roman"/>
+                <a:sym typeface="Times New Roman"/>
+              </a:rPr>
+              <a:t>Тестирование инструмента и получение пары интересных примеров</a:t>
+            </a:r>
+            <a:endParaRPr sz="2200">
+              <a:solidFill>
+                <a:srgbClr val="080808"/>
+              </a:solidFill>
+              <a:latin typeface="Times New Roman"/>
+              <a:ea typeface="Times New Roman"/>
+              <a:cs typeface="Times New Roman"/>
+              <a:sym typeface="Times New Roman"/>
+            </a:endParaRPr>
           </a:p>
         </p:txBody>
       </p:sp>
       <p:sp>
         <p:nvSpPr>
-          <p:cNvPr id="148" name="Google Shape;148;p27"/>
+          <p:cNvPr id="152" name="Google Shape;152;p27"/>
           <p:cNvSpPr txBox="1"/>
           <p:nvPr>
             <p:ph idx="12" type="sldNum"/>
@@ -16703,7 +17065,7 @@
   <p:cSld>
     <p:spTree>
       <p:nvGrpSpPr>
-        <p:cNvPr id="152" name="Shape 152"/>
+        <p:cNvPr id="156" name="Shape 156"/>
         <p:cNvGrpSpPr/>
         <p:nvPr/>
       </p:nvGrpSpPr>
@@ -16717,7 +17079,7 @@
       </p:grpSpPr>
       <p:sp>
         <p:nvSpPr>
-          <p:cNvPr id="153" name="Google Shape;153;p28"/>
+          <p:cNvPr id="157" name="Google Shape;157;p28"/>
           <p:cNvSpPr txBox="1"/>
           <p:nvPr>
             <p:ph type="title"/>
@@ -16757,7 +17119,8 @@
               <a:buNone/>
             </a:pPr>
             <a:r>
-              <a:t/>
+              <a:rPr lang="ru"/>
+              <a:t>Исходные материалы</a:t>
             </a:r>
             <a:endParaRPr/>
           </a:p>
@@ -16765,54 +17128,7 @@
       </p:sp>
       <p:sp>
         <p:nvSpPr>
-          <p:cNvPr id="154" name="Google Shape;154;p28"/>
-          <p:cNvSpPr txBox="1"/>
-          <p:nvPr>
-            <p:ph idx="1" type="body"/>
-          </p:nvPr>
-        </p:nvSpPr>
-        <p:spPr>
-          <a:xfrm>
-            <a:off x="457200" y="1200150"/>
-            <a:ext cx="8229600" cy="3394472"/>
-          </a:xfrm>
-          <a:prstGeom prst="rect">
-            <a:avLst/>
-          </a:prstGeom>
-          <a:noFill/>
-          <a:ln>
-            <a:noFill/>
-          </a:ln>
-        </p:spPr>
-        <p:txBody>
-          <a:bodyPr anchorCtr="0" anchor="t" bIns="45700" lIns="91425" spcFirstLastPara="1" rIns="91425" wrap="square" tIns="45700">
-            <a:normAutofit/>
-          </a:bodyPr>
-          <a:lstStyle/>
-          <a:p>
-            <a:pPr indent="-139700" lvl="0" marL="342900" rtl="0" algn="l">
-              <a:spcBef>
-                <a:spcPts val="0"/>
-              </a:spcBef>
-              <a:spcAft>
-                <a:spcPts val="0"/>
-              </a:spcAft>
-              <a:buClr>
-                <a:schemeClr val="dk1"/>
-              </a:buClr>
-              <a:buSzPts val="3200"/>
-              <a:buNone/>
-            </a:pPr>
-            <a:r>
-              <a:t/>
-            </a:r>
-            <a:endParaRPr/>
-          </a:p>
-        </p:txBody>
-      </p:sp>
-      <p:sp>
-        <p:nvSpPr>
-          <p:cNvPr id="155" name="Google Shape;155;p28"/>
+          <p:cNvPr id="158" name="Google Shape;158;p28"/>
           <p:cNvSpPr txBox="1"/>
           <p:nvPr>
             <p:ph idx="12" type="sldNum"/>
@@ -16854,11 +17170,345 @@
           </a:p>
         </p:txBody>
       </p:sp>
+      <p:pic>
+        <p:nvPicPr>
+          <p:cNvPr id="159" name="Google Shape;159;p28" title="video">
+            <a:hlinkClick r:id="rId3"/>
+          </p:cNvPr>
+          <p:cNvPicPr preferRelativeResize="0"/>
+          <p:nvPr/>
+        </p:nvPicPr>
+        <p:blipFill>
+          <a:blip r:embed="rId4">
+            <a:alphaModFix/>
+          </a:blip>
+          <a:stretch>
+            <a:fillRect/>
+          </a:stretch>
+        </p:blipFill>
+        <p:spPr>
+          <a:xfrm>
+            <a:off x="457200" y="1168599"/>
+            <a:ext cx="2011062" cy="3687794"/>
+          </a:xfrm>
+          <a:prstGeom prst="rect">
+            <a:avLst/>
+          </a:prstGeom>
+          <a:noFill/>
+          <a:ln>
+            <a:noFill/>
+          </a:ln>
+        </p:spPr>
+      </p:pic>
+      <p:sp>
+        <p:nvSpPr>
+          <p:cNvPr id="160" name="Google Shape;160;p28"/>
+          <p:cNvSpPr txBox="1"/>
+          <p:nvPr/>
+        </p:nvSpPr>
+        <p:spPr>
+          <a:xfrm>
+            <a:off x="2845750" y="1199450"/>
+            <a:ext cx="5785500" cy="3567900"/>
+          </a:xfrm>
+          <a:prstGeom prst="rect">
+            <a:avLst/>
+          </a:prstGeom>
+          <a:noFill/>
+          <a:ln>
+            <a:noFill/>
+          </a:ln>
+        </p:spPr>
+        <p:txBody>
+          <a:bodyPr anchorCtr="0" anchor="t" bIns="91425" lIns="91425" spcFirstLastPara="1" rIns="91425" wrap="square" tIns="91425">
+            <a:noAutofit/>
+          </a:bodyPr>
+          <a:lstStyle/>
+          <a:p>
+            <a:pPr indent="-431800" lvl="0" marL="457200" rtl="0" algn="l">
+              <a:spcBef>
+                <a:spcPts val="0"/>
+              </a:spcBef>
+              <a:spcAft>
+                <a:spcPts val="0"/>
+              </a:spcAft>
+              <a:buClr>
+                <a:schemeClr val="dk1"/>
+              </a:buClr>
+              <a:buSzPts val="3200"/>
+              <a:buFont typeface="Calibri"/>
+              <a:buAutoNum type="arabicPeriod"/>
+            </a:pPr>
+            <a:r>
+              <a:rPr lang="ru" sz="3200">
+                <a:solidFill>
+                  <a:schemeClr val="dk1"/>
+                </a:solidFill>
+                <a:latin typeface="Calibri"/>
+                <a:ea typeface="Calibri"/>
+                <a:cs typeface="Calibri"/>
+                <a:sym typeface="Calibri"/>
+              </a:rPr>
+              <a:t>Контекст</a:t>
+            </a:r>
+            <a:endParaRPr sz="3200">
+              <a:solidFill>
+                <a:schemeClr val="dk1"/>
+              </a:solidFill>
+              <a:latin typeface="Calibri"/>
+              <a:ea typeface="Calibri"/>
+              <a:cs typeface="Calibri"/>
+              <a:sym typeface="Calibri"/>
+            </a:endParaRPr>
+          </a:p>
+          <a:p>
+            <a:pPr indent="0" lvl="0" marL="457200" rtl="0" algn="l">
+              <a:spcBef>
+                <a:spcPts val="0"/>
+              </a:spcBef>
+              <a:spcAft>
+                <a:spcPts val="0"/>
+              </a:spcAft>
+              <a:buNone/>
+            </a:pPr>
+            <a:r>
+              <a:rPr lang="ru" sz="1300">
+                <a:solidFill>
+                  <a:schemeClr val="dk1"/>
+                </a:solidFill>
+                <a:latin typeface="Calibri"/>
+                <a:ea typeface="Calibri"/>
+                <a:cs typeface="Calibri"/>
+                <a:sym typeface="Calibri"/>
+              </a:rPr>
+              <a:t>Тебя зовут Артем Царюк, старший разработчик в компании МТС Банк, учишься в МГППУ на 3-ем курсе, тебе 20 лет, ты добрый и никогда никого не обидишь, твоя задача </a:t>
+            </a:r>
+            <a:r>
+              <a:rPr lang="ru" sz="1300">
+                <a:solidFill>
+                  <a:schemeClr val="dk1"/>
+                </a:solidFill>
+                <a:latin typeface="Calibri"/>
+                <a:ea typeface="Calibri"/>
+                <a:cs typeface="Calibri"/>
+                <a:sym typeface="Calibri"/>
+              </a:rPr>
+              <a:t>сделать</a:t>
+            </a:r>
+            <a:r>
+              <a:rPr lang="ru" sz="1300">
+                <a:solidFill>
+                  <a:schemeClr val="dk1"/>
+                </a:solidFill>
+                <a:latin typeface="Calibri"/>
+                <a:ea typeface="Calibri"/>
+                <a:cs typeface="Calibri"/>
+                <a:sym typeface="Calibri"/>
+              </a:rPr>
+              <a:t> мир лучше</a:t>
+            </a:r>
+            <a:endParaRPr sz="3200">
+              <a:solidFill>
+                <a:schemeClr val="dk1"/>
+              </a:solidFill>
+              <a:latin typeface="Calibri"/>
+              <a:ea typeface="Calibri"/>
+              <a:cs typeface="Calibri"/>
+              <a:sym typeface="Calibri"/>
+            </a:endParaRPr>
+          </a:p>
+          <a:p>
+            <a:pPr indent="-431800" lvl="0" marL="457200" rtl="0" algn="l">
+              <a:spcBef>
+                <a:spcPts val="0"/>
+              </a:spcBef>
+              <a:spcAft>
+                <a:spcPts val="0"/>
+              </a:spcAft>
+              <a:buClr>
+                <a:schemeClr val="dk1"/>
+              </a:buClr>
+              <a:buSzPts val="3200"/>
+              <a:buFont typeface="Calibri"/>
+              <a:buAutoNum type="arabicPeriod"/>
+            </a:pPr>
+            <a:r>
+              <a:rPr lang="ru" sz="3200">
+                <a:solidFill>
+                  <a:schemeClr val="dk1"/>
+                </a:solidFill>
+                <a:latin typeface="Calibri"/>
+                <a:ea typeface="Calibri"/>
+                <a:cs typeface="Calibri"/>
+                <a:sym typeface="Calibri"/>
+              </a:rPr>
+              <a:t>Голос</a:t>
+            </a:r>
+            <a:endParaRPr sz="3200">
+              <a:solidFill>
+                <a:schemeClr val="dk1"/>
+              </a:solidFill>
+              <a:latin typeface="Calibri"/>
+              <a:ea typeface="Calibri"/>
+              <a:cs typeface="Calibri"/>
+              <a:sym typeface="Calibri"/>
+            </a:endParaRPr>
+          </a:p>
+          <a:p>
+            <a:pPr indent="-431800" lvl="0" marL="457200" rtl="0" algn="l">
+              <a:spcBef>
+                <a:spcPts val="0"/>
+              </a:spcBef>
+              <a:spcAft>
+                <a:spcPts val="0"/>
+              </a:spcAft>
+              <a:buClr>
+                <a:schemeClr val="dk1"/>
+              </a:buClr>
+              <a:buSzPts val="3200"/>
+              <a:buFont typeface="Calibri"/>
+              <a:buAutoNum type="arabicPeriod"/>
+            </a:pPr>
+            <a:r>
+              <a:rPr lang="ru" sz="3200">
+                <a:solidFill>
+                  <a:schemeClr val="dk1"/>
+                </a:solidFill>
+                <a:latin typeface="Calibri"/>
+                <a:ea typeface="Calibri"/>
+                <a:cs typeface="Calibri"/>
+                <a:sym typeface="Calibri"/>
+              </a:rPr>
+              <a:t>Видео</a:t>
+            </a:r>
+            <a:endParaRPr sz="3200">
+              <a:solidFill>
+                <a:schemeClr val="dk1"/>
+              </a:solidFill>
+              <a:latin typeface="Calibri"/>
+              <a:ea typeface="Calibri"/>
+              <a:cs typeface="Calibri"/>
+              <a:sym typeface="Calibri"/>
+            </a:endParaRPr>
+          </a:p>
+        </p:txBody>
+      </p:sp>
+      <p:pic>
+        <p:nvPicPr>
+          <p:cNvPr id="161" name="Google Shape;161;p28"/>
+          <p:cNvPicPr preferRelativeResize="0"/>
+          <p:nvPr/>
+        </p:nvPicPr>
+        <p:blipFill>
+          <a:blip r:embed="rId5">
+            <a:alphaModFix/>
+          </a:blip>
+          <a:stretch>
+            <a:fillRect/>
+          </a:stretch>
+        </p:blipFill>
+        <p:spPr>
+          <a:xfrm>
+            <a:off x="4430875" y="2345650"/>
+            <a:ext cx="1592199" cy="682375"/>
+          </a:xfrm>
+          <a:prstGeom prst="rect">
+            <a:avLst/>
+          </a:prstGeom>
+          <a:noFill/>
+          <a:ln>
+            <a:noFill/>
+          </a:ln>
+        </p:spPr>
+      </p:pic>
     </p:spTree>
   </p:cSld>
   <p:clrMapOvr>
     <a:masterClrMapping/>
   </p:clrMapOvr>
+  <p:timing>
+    <p:tnLst>
+      <p:par>
+        <p:cTn dur="indefinite" nodeType="tmRoot" restart="never">
+          <p:childTnLst>
+            <p:seq concurrent="1" nextAc="seek">
+              <p:cTn dur="indefinite" id="2" nodeType="mainSeq">
+                <p:childTnLst>
+                  <p:par>
+                    <p:cTn fill="hold">
+                      <p:stCondLst>
+                        <p:cond delay="indefinite"/>
+                      </p:stCondLst>
+                      <p:childTnLst>
+                        <p:par>
+                          <p:cTn fill="hold">
+                            <p:stCondLst>
+                              <p:cond delay="0"/>
+                            </p:stCondLst>
+                            <p:childTnLst>
+                              <p:par>
+                                <p:cTn fill="hold" nodeType="clickEffect" presetClass="entr" presetID="10" presetSubtype="0">
+                                  <p:stCondLst>
+                                    <p:cond delay="0"/>
+                                  </p:stCondLst>
+                                  <p:childTnLst>
+                                    <p:set>
+                                      <p:cBhvr>
+                                        <p:cTn dur="1" fill="hold">
+                                          <p:stCondLst>
+                                            <p:cond delay="0"/>
+                                          </p:stCondLst>
+                                        </p:cTn>
+                                        <p:tgtEl>
+                                          <p:spTgt spid="159"/>
+                                        </p:tgtEl>
+                                        <p:attrNameLst>
+                                          <p:attrName>style.visibility</p:attrName>
+                                        </p:attrNameLst>
+                                      </p:cBhvr>
+                                      <p:to>
+                                        <p:strVal val="visible"/>
+                                      </p:to>
+                                    </p:set>
+                                    <p:animEffect filter="fade" transition="in">
+                                      <p:cBhvr>
+                                        <p:cTn dur="1000"/>
+                                        <p:tgtEl>
+                                          <p:spTgt spid="159"/>
+                                        </p:tgtEl>
+                                      </p:cBhvr>
+                                    </p:animEffect>
+                                  </p:childTnLst>
+                                </p:cTn>
+                              </p:par>
+                            </p:childTnLst>
+                          </p:cTn>
+                        </p:par>
+                      </p:childTnLst>
+                    </p:cTn>
+                  </p:par>
+                </p:childTnLst>
+              </p:cTn>
+              <p:prevCondLst>
+                <p:cond evt="onPrev">
+                  <p:tgtEl>
+                    <p:sldTgt/>
+                  </p:tgtEl>
+                </p:cond>
+              </p:prevCondLst>
+              <p:nextCondLst>
+                <p:cond evt="onNext">
+                  <p:tgtEl>
+                    <p:sldTgt/>
+                  </p:tgtEl>
+                </p:cond>
+              </p:nextCondLst>
+            </p:seq>
+          </p:childTnLst>
+        </p:cTn>
+      </p:par>
+    </p:tnLst>
+  </p:timing>
 </p:sld>
 </file>
 
@@ -16867,7 +17517,7 @@
   <p:cSld>
     <p:spTree>
       <p:nvGrpSpPr>
-        <p:cNvPr id="159" name="Shape 159"/>
+        <p:cNvPr id="165" name="Shape 165"/>
         <p:cNvGrpSpPr/>
         <p:nvPr/>
       </p:nvGrpSpPr>
@@ -16881,7 +17531,7 @@
       </p:grpSpPr>
       <p:sp>
         <p:nvSpPr>
-          <p:cNvPr id="160" name="Google Shape;160;p29"/>
+          <p:cNvPr id="166" name="Google Shape;166;p29"/>
           <p:cNvSpPr txBox="1"/>
           <p:nvPr>
             <p:ph type="title"/>
@@ -16890,15 +17540,11 @@
         <p:spPr>
           <a:xfrm>
             <a:off x="457200" y="205978"/>
-            <a:ext cx="8229600" cy="857250"/>
+            <a:ext cx="8229600" cy="857400"/>
           </a:xfrm>
           <a:prstGeom prst="rect">
             <a:avLst/>
           </a:prstGeom>
-          <a:noFill/>
-          <a:ln>
-            <a:noFill/>
-          </a:ln>
         </p:spPr>
         <p:txBody>
           <a:bodyPr anchorCtr="0" anchor="ctr" bIns="45700" lIns="91425" spcFirstLastPara="1" rIns="91425" wrap="square" tIns="45700">
@@ -16913,40 +17559,19 @@
               <a:spcAft>
                 <a:spcPts val="0"/>
               </a:spcAft>
-              <a:buClr>
-                <a:schemeClr val="dk1"/>
-              </a:buClr>
-              <a:buSzPts val="3200"/>
-              <a:buFont typeface="Times New Roman"/>
               <a:buNone/>
             </a:pPr>
             <a:r>
-              <a:rPr lang="ru" sz="3200">
-                <a:solidFill>
-                  <a:schemeClr val="dk1"/>
-                </a:solidFill>
-                <a:latin typeface="Times New Roman"/>
-                <a:ea typeface="Times New Roman"/>
-                <a:cs typeface="Times New Roman"/>
-                <a:sym typeface="Times New Roman"/>
-              </a:rPr>
-              <a:t>Заключение</a:t>
+              <a:rPr lang="ru"/>
+              <a:t>Что получилось?</a:t>
             </a:r>
-            <a:endParaRPr sz="3200">
-              <a:solidFill>
-                <a:schemeClr val="dk1"/>
-              </a:solidFill>
-              <a:latin typeface="Times New Roman"/>
-              <a:ea typeface="Times New Roman"/>
-              <a:cs typeface="Times New Roman"/>
-              <a:sym typeface="Times New Roman"/>
-            </a:endParaRPr>
+            <a:endParaRPr/>
           </a:p>
         </p:txBody>
       </p:sp>
       <p:sp>
         <p:nvSpPr>
-          <p:cNvPr id="161" name="Google Shape;161;p29"/>
+          <p:cNvPr id="167" name="Google Shape;167;p29"/>
           <p:cNvSpPr txBox="1"/>
           <p:nvPr>
             <p:ph idx="1" type="body"/>
@@ -16954,8 +17579,72 @@
         </p:nvSpPr>
         <p:spPr>
           <a:xfrm>
-            <a:off x="457200" y="870561"/>
-            <a:ext cx="8327268" cy="3915435"/>
+            <a:off x="457200" y="1200150"/>
+            <a:ext cx="8229600" cy="3394500"/>
+          </a:xfrm>
+          <a:prstGeom prst="rect">
+            <a:avLst/>
+          </a:prstGeom>
+        </p:spPr>
+        <p:txBody>
+          <a:bodyPr anchorCtr="0" anchor="t" bIns="45700" lIns="91425" spcFirstLastPara="1" rIns="91425" wrap="square" tIns="45700">
+            <a:normAutofit/>
+          </a:bodyPr>
+          <a:lstStyle/>
+          <a:p>
+            <a:pPr indent="0" lvl="0" marL="0" rtl="0" algn="l">
+              <a:spcBef>
+                <a:spcPts val="360"/>
+              </a:spcBef>
+              <a:spcAft>
+                <a:spcPts val="0"/>
+              </a:spcAft>
+              <a:buNone/>
+            </a:pPr>
+            <a:r>
+              <a:t/>
+            </a:r>
+            <a:endParaRPr/>
+          </a:p>
+        </p:txBody>
+      </p:sp>
+    </p:spTree>
+  </p:cSld>
+  <p:clrMapOvr>
+    <a:masterClrMapping/>
+  </p:clrMapOvr>
+</p:sld>
+</file>
+
+<file path=ppt/slides/slide6.xml><?xml version="1.0" encoding="utf-8"?>
+<p:sld xmlns:a="http://schemas.openxmlformats.org/drawingml/2006/main" xmlns:r="http://schemas.openxmlformats.org/officeDocument/2006/relationships" xmlns:mc="http://schemas.openxmlformats.org/markup-compatibility/2006" xmlns:mv="urn:schemas-microsoft-com:mac:vml" xmlns:p="http://schemas.openxmlformats.org/presentationml/2006/main" xmlns:c="http://schemas.openxmlformats.org/drawingml/2006/chart" xmlns:dgm="http://schemas.openxmlformats.org/drawingml/2006/diagram" xmlns:o="urn:schemas-microsoft-com:office:office" xmlns:v="urn:schemas-microsoft-com:vml" xmlns:pvml="urn:schemas-microsoft-com:office:powerpoint" xmlns:com="http://schemas.openxmlformats.org/drawingml/2006/compatibility" xmlns:p14="http://schemas.microsoft.com/office/powerpoint/2010/main" xmlns:p15="http://schemas.microsoft.com/office/powerpoint/2012/main" xmlns:ahyp="http://schemas.microsoft.com/office/drawing/2018/hyperlinkcolor">
+  <p:cSld>
+    <p:spTree>
+      <p:nvGrpSpPr>
+        <p:cNvPr id="171" name="Shape 171"/>
+        <p:cNvGrpSpPr/>
+        <p:nvPr/>
+      </p:nvGrpSpPr>
+      <p:grpSpPr>
+        <a:xfrm>
+          <a:off x="0" y="0"/>
+          <a:ext cx="0" cy="0"/>
+          <a:chOff x="0" y="0"/>
+          <a:chExt cx="0" cy="0"/>
+        </a:xfrm>
+      </p:grpSpPr>
+      <p:sp>
+        <p:nvSpPr>
+          <p:cNvPr id="172" name="Google Shape;172;p30"/>
+          <p:cNvSpPr txBox="1"/>
+          <p:nvPr>
+            <p:ph idx="1" type="body"/>
+          </p:nvPr>
+        </p:nvSpPr>
+        <p:spPr>
+          <a:xfrm>
+            <a:off x="457200" y="436750"/>
+            <a:ext cx="8229600" cy="1212600"/>
           </a:xfrm>
           <a:prstGeom prst="rect">
             <a:avLst/>
@@ -16971,7 +17660,7 @@
           </a:bodyPr>
           <a:lstStyle/>
           <a:p>
-            <a:pPr indent="-139700" lvl="0" marL="342900" rtl="0" algn="l">
+            <a:pPr indent="-342900" lvl="0" marL="342900" rtl="0" algn="ctr">
               <a:spcBef>
                 <a:spcPts val="0"/>
               </a:spcBef>
@@ -16981,11 +17670,17 @@
               <a:buClr>
                 <a:schemeClr val="dk1"/>
               </a:buClr>
-              <a:buSzPts val="3200"/>
+              <a:buSzPts val="6600"/>
               <a:buNone/>
             </a:pPr>
             <a:r>
-              <a:t/>
+              <a:rPr lang="ru" sz="6600">
+                <a:latin typeface="Times New Roman"/>
+                <a:ea typeface="Times New Roman"/>
+                <a:cs typeface="Times New Roman"/>
+                <a:sym typeface="Times New Roman"/>
+              </a:rPr>
+              <a:t>Спасибо за внимание!</a:t>
             </a:r>
             <a:endParaRPr/>
           </a:p>
@@ -16993,7 +17688,7 @@
       </p:sp>
       <p:sp>
         <p:nvSpPr>
-          <p:cNvPr id="162" name="Google Shape;162;p29"/>
+          <p:cNvPr id="173" name="Google Shape;173;p30"/>
           <p:cNvSpPr txBox="1"/>
           <p:nvPr>
             <p:ph idx="12" type="sldNum"/>
@@ -17043,408 +17738,7 @@
 </p:sld>
 </file>
 
-<file path=ppt/slides/slide6.xml><?xml version="1.0" encoding="utf-8"?>
-<p:sld xmlns:a="http://schemas.openxmlformats.org/drawingml/2006/main" xmlns:r="http://schemas.openxmlformats.org/officeDocument/2006/relationships" xmlns:mc="http://schemas.openxmlformats.org/markup-compatibility/2006" xmlns:mv="urn:schemas-microsoft-com:mac:vml" xmlns:p="http://schemas.openxmlformats.org/presentationml/2006/main" xmlns:c="http://schemas.openxmlformats.org/drawingml/2006/chart" xmlns:dgm="http://schemas.openxmlformats.org/drawingml/2006/diagram" xmlns:o="urn:schemas-microsoft-com:office:office" xmlns:v="urn:schemas-microsoft-com:vml" xmlns:pvml="urn:schemas-microsoft-com:office:powerpoint" xmlns:com="http://schemas.openxmlformats.org/drawingml/2006/compatibility" xmlns:p14="http://schemas.microsoft.com/office/powerpoint/2010/main" xmlns:p15="http://schemas.microsoft.com/office/powerpoint/2012/main" xmlns:ahyp="http://schemas.microsoft.com/office/drawing/2018/hyperlinkcolor">
-  <p:cSld>
-    <p:spTree>
-      <p:nvGrpSpPr>
-        <p:cNvPr id="166" name="Shape 166"/>
-        <p:cNvGrpSpPr/>
-        <p:nvPr/>
-      </p:nvGrpSpPr>
-      <p:grpSpPr>
-        <a:xfrm>
-          <a:off x="0" y="0"/>
-          <a:ext cx="0" cy="0"/>
-          <a:chOff x="0" y="0"/>
-          <a:chExt cx="0" cy="0"/>
-        </a:xfrm>
-      </p:grpSpPr>
-      <p:sp>
-        <p:nvSpPr>
-          <p:cNvPr id="167" name="Google Shape;167;p30"/>
-          <p:cNvSpPr txBox="1"/>
-          <p:nvPr>
-            <p:ph idx="1" type="body"/>
-          </p:nvPr>
-        </p:nvSpPr>
-        <p:spPr>
-          <a:xfrm>
-            <a:off x="462500" y="1221600"/>
-            <a:ext cx="8229600" cy="1212600"/>
-          </a:xfrm>
-          <a:prstGeom prst="rect">
-            <a:avLst/>
-          </a:prstGeom>
-          <a:noFill/>
-          <a:ln>
-            <a:noFill/>
-          </a:ln>
-        </p:spPr>
-        <p:txBody>
-          <a:bodyPr anchorCtr="0" anchor="t" bIns="45700" lIns="91425" spcFirstLastPara="1" rIns="91425" wrap="square" tIns="45700">
-            <a:normAutofit/>
-          </a:bodyPr>
-          <a:lstStyle/>
-          <a:p>
-            <a:pPr indent="-342900" lvl="0" marL="342900" rtl="0" algn="ctr">
-              <a:spcBef>
-                <a:spcPts val="0"/>
-              </a:spcBef>
-              <a:spcAft>
-                <a:spcPts val="0"/>
-              </a:spcAft>
-              <a:buClr>
-                <a:schemeClr val="dk1"/>
-              </a:buClr>
-              <a:buSzPts val="6600"/>
-              <a:buNone/>
-            </a:pPr>
-            <a:r>
-              <a:rPr lang="ru" sz="6600">
-                <a:latin typeface="Times New Roman"/>
-                <a:ea typeface="Times New Roman"/>
-                <a:cs typeface="Times New Roman"/>
-                <a:sym typeface="Times New Roman"/>
-              </a:rPr>
-              <a:t>Спасибо за внимание!</a:t>
-            </a:r>
-            <a:endParaRPr/>
-          </a:p>
-        </p:txBody>
-      </p:sp>
-      <p:sp>
-        <p:nvSpPr>
-          <p:cNvPr id="168" name="Google Shape;168;p30"/>
-          <p:cNvSpPr txBox="1"/>
-          <p:nvPr>
-            <p:ph idx="12" type="sldNum"/>
-          </p:nvPr>
-        </p:nvSpPr>
-        <p:spPr>
-          <a:xfrm>
-            <a:off x="6553200" y="4767263"/>
-            <a:ext cx="2133600" cy="273844"/>
-          </a:xfrm>
-          <a:prstGeom prst="rect">
-            <a:avLst/>
-          </a:prstGeom>
-          <a:noFill/>
-          <a:ln>
-            <a:noFill/>
-          </a:ln>
-        </p:spPr>
-        <p:txBody>
-          <a:bodyPr anchorCtr="0" anchor="ctr" bIns="45700" lIns="91425" spcFirstLastPara="1" rIns="91425" wrap="square" tIns="45700">
-            <a:noAutofit/>
-          </a:bodyPr>
-          <a:lstStyle/>
-          <a:p>
-            <a:pPr indent="0" lvl="0" marL="0" rtl="0" algn="r">
-              <a:spcBef>
-                <a:spcPts val="0"/>
-              </a:spcBef>
-              <a:spcAft>
-                <a:spcPts val="0"/>
-              </a:spcAft>
-              <a:buNone/>
-            </a:pPr>
-            <a:fld id="{00000000-1234-1234-1234-123412341234}" type="slidenum">
-              <a:rPr lang="ru"/>
-              <a:t>‹#›</a:t>
-            </a:fld>
-            <a:endParaRPr/>
-          </a:p>
-        </p:txBody>
-      </p:sp>
-    </p:spTree>
-  </p:cSld>
-  <p:clrMapOvr>
-    <a:masterClrMapping/>
-  </p:clrMapOvr>
-</p:sld>
-</file>
-
 <file path=ppt/theme/theme1.xml><?xml version="1.0" encoding="utf-8"?>
-<a:theme xmlns:a="http://schemas.openxmlformats.org/drawingml/2006/main" xmlns:r="http://schemas.openxmlformats.org/officeDocument/2006/relationships" name="Simple Light">
-  <a:themeElements>
-    <a:clrScheme name="Simple Light">
-      <a:dk1>
-        <a:srgbClr val="000000"/>
-      </a:dk1>
-      <a:lt1>
-        <a:srgbClr val="FFFFFF"/>
-      </a:lt1>
-      <a:dk2>
-        <a:srgbClr val="595959"/>
-      </a:dk2>
-      <a:lt2>
-        <a:srgbClr val="EEEEEE"/>
-      </a:lt2>
-      <a:accent1>
-        <a:srgbClr val="4285F4"/>
-      </a:accent1>
-      <a:accent2>
-        <a:srgbClr val="212121"/>
-      </a:accent2>
-      <a:accent3>
-        <a:srgbClr val="78909C"/>
-      </a:accent3>
-      <a:accent4>
-        <a:srgbClr val="FFAB40"/>
-      </a:accent4>
-      <a:accent5>
-        <a:srgbClr val="0097A7"/>
-      </a:accent5>
-      <a:accent6>
-        <a:srgbClr val="EEFF41"/>
-      </a:accent6>
-      <a:hlink>
-        <a:srgbClr val="0097A7"/>
-      </a:hlink>
-      <a:folHlink>
-        <a:srgbClr val="0097A7"/>
-      </a:folHlink>
-    </a:clrScheme>
-    <a:fontScheme name="Office">
-      <a:majorFont>
-        <a:latin typeface="Arial"/>
-        <a:ea typeface=""/>
-        <a:cs typeface=""/>
-        <a:font script="Jpan" typeface="ＭＳ Ｐゴシック"/>
-        <a:font script="Hang" typeface="맑은 고딕"/>
-        <a:font script="Hans" typeface="宋体"/>
-        <a:font script="Hant" typeface="新細明體"/>
-        <a:font script="Arab" typeface="Times New Roman"/>
-        <a:font script="Hebr" typeface="Times New Roman"/>
-        <a:font script="Thai" typeface="Angsana New"/>
-        <a:font script="Ethi" typeface="Nyala"/>
-        <a:font script="Beng" typeface="Vrinda"/>
-        <a:font script="Gujr" typeface="Shruti"/>
-        <a:font script="Khmr" typeface="MoolBoran"/>
-        <a:font script="Knda" typeface="Tunga"/>
-        <a:font script="Guru" typeface="Raavi"/>
-        <a:font script="Cans" typeface="Euphemia"/>
-        <a:font script="Cher" typeface="Plantagenet Cherokee"/>
-        <a:font script="Yiii" typeface="Microsoft Yi Baiti"/>
-        <a:font script="Tibt" typeface="Microsoft Himalaya"/>
-        <a:font script="Thaa" typeface="MV Boli"/>
-        <a:font script="Deva" typeface="Mangal"/>
-        <a:font script="Telu" typeface="Gautami"/>
-        <a:font script="Taml" typeface="Latha"/>
-        <a:font script="Syrc" typeface="Estrangelo Edessa"/>
-        <a:font script="Orya" typeface="Kalinga"/>
-        <a:font script="Mlym" typeface="Kartika"/>
-        <a:font script="Laoo" typeface="DokChampa"/>
-        <a:font script="Sinh" typeface="Iskoola Pota"/>
-        <a:font script="Mong" typeface="Mongolian Baiti"/>
-        <a:font script="Viet" typeface="Times New Roman"/>
-        <a:font script="Uigh" typeface="Microsoft Uighur"/>
-        <a:font script="Geor" typeface="Sylfaen"/>
-      </a:majorFont>
-      <a:minorFont>
-        <a:latin typeface="Arial"/>
-        <a:ea typeface=""/>
-        <a:cs typeface=""/>
-        <a:font script="Jpan" typeface="ＭＳ Ｐゴシック"/>
-        <a:font script="Hang" typeface="맑은 고딕"/>
-        <a:font script="Hans" typeface="宋体"/>
-        <a:font script="Hant" typeface="新細明體"/>
-        <a:font script="Arab" typeface="Arial"/>
-        <a:font script="Hebr" typeface="Arial"/>
-        <a:font script="Thai" typeface="Cordia New"/>
-        <a:font script="Ethi" typeface="Nyala"/>
-        <a:font script="Beng" typeface="Vrinda"/>
-        <a:font script="Gujr" typeface="Shruti"/>
-        <a:font script="Khmr" typeface="DaunPenh"/>
-        <a:font script="Knda" typeface="Tunga"/>
-        <a:font script="Guru" typeface="Raavi"/>
-        <a:font script="Cans" typeface="Euphemia"/>
-        <a:font script="Cher" typeface="Plantagenet Cherokee"/>
-        <a:font script="Yiii" typeface="Microsoft Yi Baiti"/>
-        <a:font script="Tibt" typeface="Microsoft Himalaya"/>
-        <a:font script="Thaa" typeface="MV Boli"/>
-        <a:font script="Deva" typeface="Mangal"/>
-        <a:font script="Telu" typeface="Gautami"/>
-        <a:font script="Taml" typeface="Latha"/>
-        <a:font script="Syrc" typeface="Estrangelo Edessa"/>
-        <a:font script="Orya" typeface="Kalinga"/>
-        <a:font script="Mlym" typeface="Kartika"/>
-        <a:font script="Laoo" typeface="DokChampa"/>
-        <a:font script="Sinh" typeface="Iskoola Pota"/>
-        <a:font script="Mong" typeface="Mongolian Baiti"/>
-        <a:font script="Viet" typeface="Arial"/>
-        <a:font script="Uigh" typeface="Microsoft Uighur"/>
-        <a:font script="Geor" typeface="Sylfaen"/>
-      </a:minorFont>
-    </a:fontScheme>
-    <a:fmtScheme name="Office">
-      <a:fillStyleLst>
-        <a:solidFill>
-          <a:schemeClr val="phClr"/>
-        </a:solidFill>
-        <a:gradFill rotWithShape="1">
-          <a:gsLst>
-            <a:gs pos="0">
-              <a:schemeClr val="phClr">
-                <a:tint val="50000"/>
-                <a:satMod val="300000"/>
-              </a:schemeClr>
-            </a:gs>
-            <a:gs pos="35000">
-              <a:schemeClr val="phClr">
-                <a:tint val="37000"/>
-                <a:satMod val="300000"/>
-              </a:schemeClr>
-            </a:gs>
-            <a:gs pos="100000">
-              <a:schemeClr val="phClr">
-                <a:tint val="15000"/>
-                <a:satMod val="350000"/>
-              </a:schemeClr>
-            </a:gs>
-          </a:gsLst>
-          <a:lin ang="16200000" scaled="1"/>
-        </a:gradFill>
-        <a:gradFill rotWithShape="1">
-          <a:gsLst>
-            <a:gs pos="0">
-              <a:schemeClr val="phClr">
-                <a:tint val="100000"/>
-                <a:shade val="100000"/>
-                <a:satMod val="130000"/>
-              </a:schemeClr>
-            </a:gs>
-            <a:gs pos="100000">
-              <a:schemeClr val="phClr">
-                <a:tint val="50000"/>
-                <a:shade val="100000"/>
-                <a:satMod val="350000"/>
-              </a:schemeClr>
-            </a:gs>
-          </a:gsLst>
-          <a:lin ang="16200000" scaled="0"/>
-        </a:gradFill>
-      </a:fillStyleLst>
-      <a:lnStyleLst>
-        <a:ln w="9525" cap="flat" cmpd="sng" algn="ctr">
-          <a:solidFill>
-            <a:schemeClr val="phClr">
-              <a:shade val="95000"/>
-              <a:satMod val="105000"/>
-            </a:schemeClr>
-          </a:solidFill>
-          <a:prstDash val="solid"/>
-        </a:ln>
-        <a:ln w="25400" cap="flat" cmpd="sng" algn="ctr">
-          <a:solidFill>
-            <a:schemeClr val="phClr"/>
-          </a:solidFill>
-          <a:prstDash val="solid"/>
-        </a:ln>
-        <a:ln w="38100" cap="flat" cmpd="sng" algn="ctr">
-          <a:solidFill>
-            <a:schemeClr val="phClr"/>
-          </a:solidFill>
-          <a:prstDash val="solid"/>
-        </a:ln>
-      </a:lnStyleLst>
-      <a:effectStyleLst>
-        <a:effectStyle>
-          <a:effectLst>
-            <a:outerShdw blurRad="40000" dist="20000" dir="5400000" rotWithShape="0">
-              <a:srgbClr val="000000">
-                <a:alpha val="38000"/>
-              </a:srgbClr>
-            </a:outerShdw>
-          </a:effectLst>
-        </a:effectStyle>
-        <a:effectStyle>
-          <a:effectLst>
-            <a:outerShdw blurRad="40000" dist="23000" dir="5400000" rotWithShape="0">
-              <a:srgbClr val="000000">
-                <a:alpha val="35000"/>
-              </a:srgbClr>
-            </a:outerShdw>
-          </a:effectLst>
-        </a:effectStyle>
-        <a:effectStyle>
-          <a:effectLst>
-            <a:outerShdw blurRad="40000" dist="23000" dir="5400000" rotWithShape="0">
-              <a:srgbClr val="000000">
-                <a:alpha val="35000"/>
-              </a:srgbClr>
-            </a:outerShdw>
-          </a:effectLst>
-          <a:scene3d>
-            <a:camera prst="orthographicFront">
-              <a:rot lat="0" lon="0" rev="0"/>
-            </a:camera>
-            <a:lightRig rig="threePt" dir="t">
-              <a:rot lat="0" lon="0" rev="1200000"/>
-            </a:lightRig>
-          </a:scene3d>
-          <a:sp3d>
-            <a:bevelT w="63500" h="25400"/>
-          </a:sp3d>
-        </a:effectStyle>
-      </a:effectStyleLst>
-      <a:bgFillStyleLst>
-        <a:solidFill>
-          <a:schemeClr val="phClr"/>
-        </a:solidFill>
-        <a:gradFill rotWithShape="1">
-          <a:gsLst>
-            <a:gs pos="0">
-              <a:schemeClr val="phClr">
-                <a:tint val="40000"/>
-                <a:satMod val="350000"/>
-              </a:schemeClr>
-            </a:gs>
-            <a:gs pos="40000">
-              <a:schemeClr val="phClr">
-                <a:tint val="45000"/>
-                <a:shade val="99000"/>
-                <a:satMod val="350000"/>
-              </a:schemeClr>
-            </a:gs>
-            <a:gs pos="100000">
-              <a:schemeClr val="phClr">
-                <a:shade val="20000"/>
-                <a:satMod val="255000"/>
-              </a:schemeClr>
-            </a:gs>
-          </a:gsLst>
-          <a:path path="circle">
-            <a:fillToRect l="50000" t="-80000" r="50000" b="180000"/>
-          </a:path>
-        </a:gradFill>
-        <a:gradFill rotWithShape="1">
-          <a:gsLst>
-            <a:gs pos="0">
-              <a:schemeClr val="phClr">
-                <a:tint val="80000"/>
-                <a:satMod val="300000"/>
-              </a:schemeClr>
-            </a:gs>
-            <a:gs pos="100000">
-              <a:schemeClr val="phClr">
-                <a:shade val="30000"/>
-                <a:satMod val="200000"/>
-              </a:schemeClr>
-            </a:gs>
-          </a:gsLst>
-          <a:path path="circle">
-            <a:fillToRect l="50000" t="50000" r="50000" b="50000"/>
-          </a:path>
-        </a:gradFill>
-      </a:bgFillStyleLst>
-    </a:fmtScheme>
-  </a:themeElements>
-</a:theme>
-</file>
-
-<file path=ppt/theme/theme2.xml><?xml version="1.0" encoding="utf-8"?>
 <a:theme xmlns:a="http://schemas.openxmlformats.org/drawingml/2006/main" xmlns:r="http://schemas.openxmlformats.org/officeDocument/2006/relationships">
   <a:themeElements>
     <a:clrScheme name="Default">
@@ -17723,7 +18017,7 @@
 </a:theme>
 </file>
 
-<file path=ppt/theme/theme3.xml><?xml version="1.0" encoding="utf-8"?>
+<file path=ppt/theme/theme2.xml><?xml version="1.0" encoding="utf-8"?>
 <a:theme xmlns:a="http://schemas.openxmlformats.org/drawingml/2006/main" xmlns:r="http://schemas.openxmlformats.org/officeDocument/2006/relationships" name="Тема Office">
   <a:themeElements>
     <a:clrScheme name="Стандартная">
@@ -18000,4 +18294,283 @@
     </a:fmtScheme>
   </a:themeElements>
 </a:theme>
+</file>
+
+<file path=ppt/theme/theme3.xml><?xml version="1.0" encoding="utf-8"?>
+<a:theme xmlns:a="http://schemas.openxmlformats.org/drawingml/2006/main" xmlns:r="http://schemas.openxmlformats.org/officeDocument/2006/relationships" name="Simple Light">
+  <a:themeElements>
+    <a:clrScheme name="Simple Light">
+      <a:dk1>
+        <a:srgbClr val="000000"/>
+      </a:dk1>
+      <a:lt1>
+        <a:srgbClr val="FFFFFF"/>
+      </a:lt1>
+      <a:dk2>
+        <a:srgbClr val="595959"/>
+      </a:dk2>
+      <a:lt2>
+        <a:srgbClr val="EEEEEE"/>
+      </a:lt2>
+      <a:accent1>
+        <a:srgbClr val="4285F4"/>
+      </a:accent1>
+      <a:accent2>
+        <a:srgbClr val="212121"/>
+      </a:accent2>
+      <a:accent3>
+        <a:srgbClr val="78909C"/>
+      </a:accent3>
+      <a:accent4>
+        <a:srgbClr val="FFAB40"/>
+      </a:accent4>
+      <a:accent5>
+        <a:srgbClr val="0097A7"/>
+      </a:accent5>
+      <a:accent6>
+        <a:srgbClr val="EEFF41"/>
+      </a:accent6>
+      <a:hlink>
+        <a:srgbClr val="0097A7"/>
+      </a:hlink>
+      <a:folHlink>
+        <a:srgbClr val="0097A7"/>
+      </a:folHlink>
+    </a:clrScheme>
+    <a:fontScheme name="Office">
+      <a:majorFont>
+        <a:latin typeface="Arial"/>
+        <a:ea typeface=""/>
+        <a:cs typeface=""/>
+        <a:font script="Jpan" typeface="ＭＳ Ｐゴシック"/>
+        <a:font script="Hang" typeface="맑은 고딕"/>
+        <a:font script="Hans" typeface="宋体"/>
+        <a:font script="Hant" typeface="新細明體"/>
+        <a:font script="Arab" typeface="Times New Roman"/>
+        <a:font script="Hebr" typeface="Times New Roman"/>
+        <a:font script="Thai" typeface="Angsana New"/>
+        <a:font script="Ethi" typeface="Nyala"/>
+        <a:font script="Beng" typeface="Vrinda"/>
+        <a:font script="Gujr" typeface="Shruti"/>
+        <a:font script="Khmr" typeface="MoolBoran"/>
+        <a:font script="Knda" typeface="Tunga"/>
+        <a:font script="Guru" typeface="Raavi"/>
+        <a:font script="Cans" typeface="Euphemia"/>
+        <a:font script="Cher" typeface="Plantagenet Cherokee"/>
+        <a:font script="Yiii" typeface="Microsoft Yi Baiti"/>
+        <a:font script="Tibt" typeface="Microsoft Himalaya"/>
+        <a:font script="Thaa" typeface="MV Boli"/>
+        <a:font script="Deva" typeface="Mangal"/>
+        <a:font script="Telu" typeface="Gautami"/>
+        <a:font script="Taml" typeface="Latha"/>
+        <a:font script="Syrc" typeface="Estrangelo Edessa"/>
+        <a:font script="Orya" typeface="Kalinga"/>
+        <a:font script="Mlym" typeface="Kartika"/>
+        <a:font script="Laoo" typeface="DokChampa"/>
+        <a:font script="Sinh" typeface="Iskoola Pota"/>
+        <a:font script="Mong" typeface="Mongolian Baiti"/>
+        <a:font script="Viet" typeface="Times New Roman"/>
+        <a:font script="Uigh" typeface="Microsoft Uighur"/>
+        <a:font script="Geor" typeface="Sylfaen"/>
+      </a:majorFont>
+      <a:minorFont>
+        <a:latin typeface="Arial"/>
+        <a:ea typeface=""/>
+        <a:cs typeface=""/>
+        <a:font script="Jpan" typeface="ＭＳ Ｐゴシック"/>
+        <a:font script="Hang" typeface="맑은 고딕"/>
+        <a:font script="Hans" typeface="宋体"/>
+        <a:font script="Hant" typeface="新細明體"/>
+        <a:font script="Arab" typeface="Arial"/>
+        <a:font script="Hebr" typeface="Arial"/>
+        <a:font script="Thai" typeface="Cordia New"/>
+        <a:font script="Ethi" typeface="Nyala"/>
+        <a:font script="Beng" typeface="Vrinda"/>
+        <a:font script="Gujr" typeface="Shruti"/>
+        <a:font script="Khmr" typeface="DaunPenh"/>
+        <a:font script="Knda" typeface="Tunga"/>
+        <a:font script="Guru" typeface="Raavi"/>
+        <a:font script="Cans" typeface="Euphemia"/>
+        <a:font script="Cher" typeface="Plantagenet Cherokee"/>
+        <a:font script="Yiii" typeface="Microsoft Yi Baiti"/>
+        <a:font script="Tibt" typeface="Microsoft Himalaya"/>
+        <a:font script="Thaa" typeface="MV Boli"/>
+        <a:font script="Deva" typeface="Mangal"/>
+        <a:font script="Telu" typeface="Gautami"/>
+        <a:font script="Taml" typeface="Latha"/>
+        <a:font script="Syrc" typeface="Estrangelo Edessa"/>
+        <a:font script="Orya" typeface="Kalinga"/>
+        <a:font script="Mlym" typeface="Kartika"/>
+        <a:font script="Laoo" typeface="DokChampa"/>
+        <a:font script="Sinh" typeface="Iskoola Pota"/>
+        <a:font script="Mong" typeface="Mongolian Baiti"/>
+        <a:font script="Viet" typeface="Arial"/>
+        <a:font script="Uigh" typeface="Microsoft Uighur"/>
+        <a:font script="Geor" typeface="Sylfaen"/>
+      </a:minorFont>
+    </a:fontScheme>
+    <a:fmtScheme name="Office">
+      <a:fillStyleLst>
+        <a:solidFill>
+          <a:schemeClr val="phClr"/>
+        </a:solidFill>
+        <a:gradFill rotWithShape="1">
+          <a:gsLst>
+            <a:gs pos="0">
+              <a:schemeClr val="phClr">
+                <a:tint val="50000"/>
+                <a:satMod val="300000"/>
+              </a:schemeClr>
+            </a:gs>
+            <a:gs pos="35000">
+              <a:schemeClr val="phClr">
+                <a:tint val="37000"/>
+                <a:satMod val="300000"/>
+              </a:schemeClr>
+            </a:gs>
+            <a:gs pos="100000">
+              <a:schemeClr val="phClr">
+                <a:tint val="15000"/>
+                <a:satMod val="350000"/>
+              </a:schemeClr>
+            </a:gs>
+          </a:gsLst>
+          <a:lin ang="16200000" scaled="1"/>
+        </a:gradFill>
+        <a:gradFill rotWithShape="1">
+          <a:gsLst>
+            <a:gs pos="0">
+              <a:schemeClr val="phClr">
+                <a:tint val="100000"/>
+                <a:shade val="100000"/>
+                <a:satMod val="130000"/>
+              </a:schemeClr>
+            </a:gs>
+            <a:gs pos="100000">
+              <a:schemeClr val="phClr">
+                <a:tint val="50000"/>
+                <a:shade val="100000"/>
+                <a:satMod val="350000"/>
+              </a:schemeClr>
+            </a:gs>
+          </a:gsLst>
+          <a:lin ang="16200000" scaled="0"/>
+        </a:gradFill>
+      </a:fillStyleLst>
+      <a:lnStyleLst>
+        <a:ln w="9525" cap="flat" cmpd="sng" algn="ctr">
+          <a:solidFill>
+            <a:schemeClr val="phClr">
+              <a:shade val="95000"/>
+              <a:satMod val="105000"/>
+            </a:schemeClr>
+          </a:solidFill>
+          <a:prstDash val="solid"/>
+        </a:ln>
+        <a:ln w="25400" cap="flat" cmpd="sng" algn="ctr">
+          <a:solidFill>
+            <a:schemeClr val="phClr"/>
+          </a:solidFill>
+          <a:prstDash val="solid"/>
+        </a:ln>
+        <a:ln w="38100" cap="flat" cmpd="sng" algn="ctr">
+          <a:solidFill>
+            <a:schemeClr val="phClr"/>
+          </a:solidFill>
+          <a:prstDash val="solid"/>
+        </a:ln>
+      </a:lnStyleLst>
+      <a:effectStyleLst>
+        <a:effectStyle>
+          <a:effectLst>
+            <a:outerShdw blurRad="40000" dist="20000" dir="5400000" rotWithShape="0">
+              <a:srgbClr val="000000">
+                <a:alpha val="38000"/>
+              </a:srgbClr>
+            </a:outerShdw>
+          </a:effectLst>
+        </a:effectStyle>
+        <a:effectStyle>
+          <a:effectLst>
+            <a:outerShdw blurRad="40000" dist="23000" dir="5400000" rotWithShape="0">
+              <a:srgbClr val="000000">
+                <a:alpha val="35000"/>
+              </a:srgbClr>
+            </a:outerShdw>
+          </a:effectLst>
+        </a:effectStyle>
+        <a:effectStyle>
+          <a:effectLst>
+            <a:outerShdw blurRad="40000" dist="23000" dir="5400000" rotWithShape="0">
+              <a:srgbClr val="000000">
+                <a:alpha val="35000"/>
+              </a:srgbClr>
+            </a:outerShdw>
+          </a:effectLst>
+          <a:scene3d>
+            <a:camera prst="orthographicFront">
+              <a:rot lat="0" lon="0" rev="0"/>
+            </a:camera>
+            <a:lightRig rig="threePt" dir="t">
+              <a:rot lat="0" lon="0" rev="1200000"/>
+            </a:lightRig>
+          </a:scene3d>
+          <a:sp3d>
+            <a:bevelT w="63500" h="25400"/>
+          </a:sp3d>
+        </a:effectStyle>
+      </a:effectStyleLst>
+      <a:bgFillStyleLst>
+        <a:solidFill>
+          <a:schemeClr val="phClr"/>
+        </a:solidFill>
+        <a:gradFill rotWithShape="1">
+          <a:gsLst>
+            <a:gs pos="0">
+              <a:schemeClr val="phClr">
+                <a:tint val="40000"/>
+                <a:satMod val="350000"/>
+              </a:schemeClr>
+            </a:gs>
+            <a:gs pos="40000">
+              <a:schemeClr val="phClr">
+                <a:tint val="45000"/>
+                <a:shade val="99000"/>
+                <a:satMod val="350000"/>
+              </a:schemeClr>
+            </a:gs>
+            <a:gs pos="100000">
+              <a:schemeClr val="phClr">
+                <a:shade val="20000"/>
+                <a:satMod val="255000"/>
+              </a:schemeClr>
+            </a:gs>
+          </a:gsLst>
+          <a:path path="circle">
+            <a:fillToRect l="50000" t="-80000" r="50000" b="180000"/>
+          </a:path>
+        </a:gradFill>
+        <a:gradFill rotWithShape="1">
+          <a:gsLst>
+            <a:gs pos="0">
+              <a:schemeClr val="phClr">
+                <a:tint val="80000"/>
+                <a:satMod val="300000"/>
+              </a:schemeClr>
+            </a:gs>
+            <a:gs pos="100000">
+              <a:schemeClr val="phClr">
+                <a:shade val="30000"/>
+                <a:satMod val="200000"/>
+              </a:schemeClr>
+            </a:gs>
+          </a:gsLst>
+          <a:path path="circle">
+            <a:fillToRect l="50000" t="50000" r="50000" b="50000"/>
+          </a:path>
+        </a:gradFill>
+      </a:bgFillStyleLst>
+    </a:fmtScheme>
+  </a:themeElements>
+</a:theme>
 </file>